--- a/lesson11.pptx
+++ b/lesson11.pptx
@@ -5,7 +5,7 @@
     <p:sldMasterId id="2147483648" r:id="rId1"/>
   </p:sldMasterIdLst>
   <p:notesMasterIdLst>
-    <p:notesMasterId r:id="rId19"/>
+    <p:notesMasterId r:id="rId21"/>
   </p:notesMasterIdLst>
   <p:sldIdLst>
     <p:sldId id="538" r:id="rId2"/>
@@ -21,10 +21,12 @@
     <p:sldId id="576" r:id="rId12"/>
     <p:sldId id="583" r:id="rId13"/>
     <p:sldId id="582" r:id="rId14"/>
-    <p:sldId id="584" r:id="rId15"/>
-    <p:sldId id="568" r:id="rId16"/>
-    <p:sldId id="589" r:id="rId17"/>
-    <p:sldId id="590" r:id="rId18"/>
+    <p:sldId id="561" r:id="rId15"/>
+    <p:sldId id="559" r:id="rId16"/>
+    <p:sldId id="584" r:id="rId17"/>
+    <p:sldId id="568" r:id="rId18"/>
+    <p:sldId id="589" r:id="rId19"/>
+    <p:sldId id="590" r:id="rId20"/>
   </p:sldIdLst>
   <p:sldSz cx="12192000" cy="6858000"/>
   <p:notesSz cx="6858000" cy="9144000"/>
@@ -145,7 +147,7 @@
 <file path=ppt/revisionInfo.xml><?xml version="1.0" encoding="utf-8"?>
 <p1510:revInfo xmlns:a="http://schemas.openxmlformats.org/drawingml/2006/main" xmlns:r="http://schemas.openxmlformats.org/officeDocument/2006/relationships" xmlns:p1510="http://schemas.microsoft.com/office/powerpoint/2015/10/main">
   <p1510:revLst>
-    <p1510:client id="{A78DEED9-F842-4DD5-868A-3FF9AD0C7D6F}" v="33" dt="2021-12-16T08:50:59.872"/>
+    <p1510:client id="{A78DEED9-F842-4DD5-868A-3FF9AD0C7D6F}" v="34" dt="2021-12-16T20:23:06.405"/>
   </p1510:revLst>
 </p1510:revInfo>
 </file>
@@ -335,7 +337,7 @@
   <pc:docChgLst>
     <pc:chgData name="Anatoliy Kigel" userId="7432c6c4687b0a9c" providerId="LiveId" clId="{A78DEED9-F842-4DD5-868A-3FF9AD0C7D6F}"/>
     <pc:docChg chg="undo custSel addSld delSld modSld">
-      <pc:chgData name="Anatoliy Kigel" userId="7432c6c4687b0a9c" providerId="LiveId" clId="{A78DEED9-F842-4DD5-868A-3FF9AD0C7D6F}" dt="2021-12-16T08:51:35.356" v="1261" actId="1076"/>
+      <pc:chgData name="Anatoliy Kigel" userId="7432c6c4687b0a9c" providerId="LiveId" clId="{A78DEED9-F842-4DD5-868A-3FF9AD0C7D6F}" dt="2021-12-16T20:24:25.539" v="1313" actId="20577"/>
       <pc:docMkLst>
         <pc:docMk/>
       </pc:docMkLst>
@@ -422,6 +424,28 @@
         <pc:sldMkLst>
           <pc:docMk/>
           <pc:sldMk cId="2635159579" sldId="558"/>
+        </pc:sldMkLst>
+      </pc:sldChg>
+      <pc:sldChg chg="modSp add mod">
+        <pc:chgData name="Anatoliy Kigel" userId="7432c6c4687b0a9c" providerId="LiveId" clId="{A78DEED9-F842-4DD5-868A-3FF9AD0C7D6F}" dt="2021-12-16T20:24:25.539" v="1313" actId="20577"/>
+        <pc:sldMkLst>
+          <pc:docMk/>
+          <pc:sldMk cId="2422372216" sldId="559"/>
+        </pc:sldMkLst>
+        <pc:spChg chg="mod">
+          <ac:chgData name="Anatoliy Kigel" userId="7432c6c4687b0a9c" providerId="LiveId" clId="{A78DEED9-F842-4DD5-868A-3FF9AD0C7D6F}" dt="2021-12-16T20:24:25.539" v="1313" actId="20577"/>
+          <ac:spMkLst>
+            <pc:docMk/>
+            <pc:sldMk cId="2422372216" sldId="559"/>
+            <ac:spMk id="3" creationId="{00000000-0000-0000-0000-000000000000}"/>
+          </ac:spMkLst>
+        </pc:spChg>
+      </pc:sldChg>
+      <pc:sldChg chg="add">
+        <pc:chgData name="Anatoliy Kigel" userId="7432c6c4687b0a9c" providerId="LiveId" clId="{A78DEED9-F842-4DD5-868A-3FF9AD0C7D6F}" dt="2021-12-16T20:23:06.405" v="1262"/>
+        <pc:sldMkLst>
+          <pc:docMk/>
+          <pc:sldMk cId="683977617" sldId="561"/>
         </pc:sldMkLst>
       </pc:sldChg>
       <pc:sldChg chg="add">
@@ -5540,56 +5564,17 @@
           <a:p>
             <a:pPr algn="ctr"/>
             <a:r>
-              <a:rPr lang="ru-RU" sz="6000" b="1" dirty="0">
-                <a:solidFill>
-                  <a:srgbClr val="92D050"/>
-                </a:solidFill>
-              </a:rPr>
-              <a:t>Финальное</a:t>
-            </a:r>
-            <a:r>
-              <a:rPr lang="ru-RU" sz="6000" b="1" dirty="0">
-                <a:solidFill>
-                  <a:srgbClr val="FFC000"/>
-                </a:solidFill>
-              </a:rPr>
-              <a:t> </a:t>
-            </a:r>
-            <a:br>
-              <a:rPr lang="ru-RU" sz="6000" b="1" dirty="0">
-                <a:solidFill>
-                  <a:srgbClr val="FFC000"/>
-                </a:solidFill>
-              </a:rPr>
-            </a:br>
-            <a:r>
-              <a:rPr lang="ru-RU" sz="6000" b="1" dirty="0">
-                <a:solidFill>
-                  <a:srgbClr val="FFC000"/>
-                </a:solidFill>
-              </a:rPr>
-              <a:t>Домашнее задание </a:t>
-            </a:r>
-            <a:r>
-              <a:rPr lang="en-US" sz="6000" b="1" dirty="0">
-                <a:solidFill>
-                  <a:srgbClr val="FFC000"/>
-                </a:solidFill>
-              </a:rPr>
-              <a:t>#Z.1</a:t>
-            </a:r>
-            <a:endParaRPr lang="ru-RU" sz="6000" b="1" dirty="0">
-              <a:solidFill>
-                <a:srgbClr val="FFC000"/>
-              </a:solidFill>
-            </a:endParaRPr>
+              <a:rPr lang="ru-RU" sz="6000" b="1" dirty="0"/>
+              <a:t>На следующем занятии</a:t>
+            </a:r>
+            <a:endParaRPr lang="uk-UA" sz="6000" b="1" dirty="0"/>
           </a:p>
         </p:txBody>
       </p:sp>
     </p:spTree>
     <p:extLst>
       <p:ext uri="{BB962C8B-B14F-4D97-AF65-F5344CB8AC3E}">
-        <p14:creationId xmlns:p14="http://schemas.microsoft.com/office/powerpoint/2010/main" val="1759504091"/>
+        <p14:creationId xmlns:p14="http://schemas.microsoft.com/office/powerpoint/2010/main" val="683977617"/>
       </p:ext>
     </p:extLst>
   </p:cSld>
@@ -5618,7 +5603,98 @@
       </p:grpSpPr>
       <p:sp>
         <p:nvSpPr>
-          <p:cNvPr id="20" name="Номер слайда 36"/>
+          <p:cNvPr id="3" name="TextBox 2"/>
+          <p:cNvSpPr txBox="1"/>
+          <p:nvPr/>
+        </p:nvSpPr>
+        <p:spPr>
+          <a:xfrm>
+            <a:off x="-1" y="3113673"/>
+            <a:ext cx="12192001" cy="830997"/>
+          </a:xfrm>
+          <a:prstGeom prst="rect">
+            <a:avLst/>
+          </a:prstGeom>
+          <a:noFill/>
+        </p:spPr>
+        <p:txBody>
+          <a:bodyPr wrap="square" rtlCol="0">
+            <a:spAutoFit/>
+          </a:bodyPr>
+          <a:lstStyle/>
+          <a:p>
+            <a:pPr algn="ctr"/>
+            <a:r>
+              <a:rPr lang="ru-RU" sz="4800" b="1" dirty="0">
+                <a:solidFill>
+                  <a:srgbClr val="0070C0"/>
+                </a:solidFill>
+              </a:rPr>
+              <a:t>Концепция </a:t>
+            </a:r>
+            <a:r>
+              <a:rPr lang="en-US" sz="4800" b="1">
+                <a:solidFill>
+                  <a:srgbClr val="00B050"/>
+                </a:solidFill>
+              </a:rPr>
+              <a:t>serverless</a:t>
+            </a:r>
+            <a:r>
+              <a:rPr lang="ru-RU" sz="4800" b="1" dirty="0">
+                <a:solidFill>
+                  <a:srgbClr val="0070C0"/>
+                </a:solidFill>
+              </a:rPr>
+              <a:t> приложений</a:t>
+            </a:r>
+            <a:endParaRPr lang="ru-RU" sz="4800" b="1" dirty="0">
+              <a:solidFill>
+                <a:srgbClr val="00B050"/>
+              </a:solidFill>
+            </a:endParaRPr>
+          </a:p>
+        </p:txBody>
+      </p:sp>
+      <p:sp>
+        <p:nvSpPr>
+          <p:cNvPr id="5" name="TextBox 4"/>
+          <p:cNvSpPr txBox="1"/>
+          <p:nvPr/>
+        </p:nvSpPr>
+        <p:spPr>
+          <a:xfrm>
+            <a:off x="-1" y="908720"/>
+            <a:ext cx="12192001" cy="923330"/>
+          </a:xfrm>
+          <a:prstGeom prst="rect">
+            <a:avLst/>
+          </a:prstGeom>
+          <a:noFill/>
+        </p:spPr>
+        <p:txBody>
+          <a:bodyPr wrap="square" rtlCol="0">
+            <a:spAutoFit/>
+          </a:bodyPr>
+          <a:lstStyle/>
+          <a:p>
+            <a:pPr algn="ctr"/>
+            <a:r>
+              <a:rPr lang="ru-RU" sz="5400" b="1" dirty="0"/>
+              <a:t>На следующем занятии</a:t>
+            </a:r>
+          </a:p>
+        </p:txBody>
+      </p:sp>
+      <p:sp>
+        <p:nvSpPr>
+          <p:cNvPr id="4" name="Номер слайда 36">
+            <a:extLst>
+              <a:ext uri="{FF2B5EF4-FFF2-40B4-BE49-F238E27FC236}">
+                <a16:creationId xmlns:a16="http://schemas.microsoft.com/office/drawing/2014/main" id="{A94FA160-EEA7-44DF-9ED4-952B497EF321}"/>
+              </a:ext>
+            </a:extLst>
+          </p:cNvPr>
           <p:cNvSpPr txBox="1">
             <a:spLocks/>
           </p:cNvSpPr>
@@ -5675,6 +5751,222 @@
                 <a:defRPr/>
               </a:pPr>
               <a:t>15</a:t>
+            </a:fld>
+            <a:endParaRPr lang="uk-UA" sz="2400" b="1" dirty="0">
+              <a:solidFill>
+                <a:schemeClr val="bg1">
+                  <a:lumMod val="50000"/>
+                </a:schemeClr>
+              </a:solidFill>
+            </a:endParaRPr>
+          </a:p>
+        </p:txBody>
+      </p:sp>
+    </p:spTree>
+    <p:extLst>
+      <p:ext uri="{BB962C8B-B14F-4D97-AF65-F5344CB8AC3E}">
+        <p14:creationId xmlns:p14="http://schemas.microsoft.com/office/powerpoint/2010/main" val="2422372216"/>
+      </p:ext>
+    </p:extLst>
+  </p:cSld>
+  <p:clrMapOvr>
+    <a:masterClrMapping/>
+  </p:clrMapOvr>
+</p:sld>
+</file>
+
+<file path=ppt/slides/slide16.xml><?xml version="1.0" encoding="utf-8"?>
+<p:sld xmlns:a="http://schemas.openxmlformats.org/drawingml/2006/main" xmlns:r="http://schemas.openxmlformats.org/officeDocument/2006/relationships" xmlns:p="http://schemas.openxmlformats.org/presentationml/2006/main">
+  <p:cSld>
+    <p:spTree>
+      <p:nvGrpSpPr>
+        <p:cNvPr id="1" name=""/>
+        <p:cNvGrpSpPr/>
+        <p:nvPr/>
+      </p:nvGrpSpPr>
+      <p:grpSpPr>
+        <a:xfrm>
+          <a:off x="0" y="0"/>
+          <a:ext cx="0" cy="0"/>
+          <a:chOff x="0" y="0"/>
+          <a:chExt cx="0" cy="0"/>
+        </a:xfrm>
+      </p:grpSpPr>
+      <p:sp>
+        <p:nvSpPr>
+          <p:cNvPr id="5" name="Прямоугольник 4"/>
+          <p:cNvSpPr/>
+          <p:nvPr/>
+        </p:nvSpPr>
+        <p:spPr>
+          <a:xfrm>
+            <a:off x="0" y="0"/>
+            <a:ext cx="12192000" cy="6858000"/>
+          </a:xfrm>
+          <a:prstGeom prst="rect">
+            <a:avLst/>
+          </a:prstGeom>
+          <a:solidFill>
+            <a:srgbClr val="002060"/>
+          </a:solidFill>
+        </p:spPr>
+        <p:style>
+          <a:lnRef idx="2">
+            <a:schemeClr val="accent1">
+              <a:shade val="50000"/>
+            </a:schemeClr>
+          </a:lnRef>
+          <a:fillRef idx="1">
+            <a:schemeClr val="accent1"/>
+          </a:fillRef>
+          <a:effectRef idx="0">
+            <a:schemeClr val="accent1"/>
+          </a:effectRef>
+          <a:fontRef idx="minor">
+            <a:schemeClr val="lt1"/>
+          </a:fontRef>
+        </p:style>
+        <p:txBody>
+          <a:bodyPr rtlCol="0" anchor="ctr"/>
+          <a:lstStyle/>
+          <a:p>
+            <a:pPr algn="ctr"/>
+            <a:r>
+              <a:rPr lang="ru-RU" sz="6000" b="1" dirty="0">
+                <a:solidFill>
+                  <a:srgbClr val="92D050"/>
+                </a:solidFill>
+              </a:rPr>
+              <a:t>Финальное</a:t>
+            </a:r>
+            <a:r>
+              <a:rPr lang="ru-RU" sz="6000" b="1" dirty="0">
+                <a:solidFill>
+                  <a:srgbClr val="FFC000"/>
+                </a:solidFill>
+              </a:rPr>
+              <a:t> </a:t>
+            </a:r>
+            <a:br>
+              <a:rPr lang="ru-RU" sz="6000" b="1" dirty="0">
+                <a:solidFill>
+                  <a:srgbClr val="FFC000"/>
+                </a:solidFill>
+              </a:rPr>
+            </a:br>
+            <a:r>
+              <a:rPr lang="ru-RU" sz="6000" b="1" dirty="0">
+                <a:solidFill>
+                  <a:srgbClr val="FFC000"/>
+                </a:solidFill>
+              </a:rPr>
+              <a:t>Домашнее задание </a:t>
+            </a:r>
+            <a:r>
+              <a:rPr lang="en-US" sz="6000" b="1" dirty="0">
+                <a:solidFill>
+                  <a:srgbClr val="FFC000"/>
+                </a:solidFill>
+              </a:rPr>
+              <a:t>#Z.1</a:t>
+            </a:r>
+            <a:endParaRPr lang="ru-RU" sz="6000" b="1" dirty="0">
+              <a:solidFill>
+                <a:srgbClr val="FFC000"/>
+              </a:solidFill>
+            </a:endParaRPr>
+          </a:p>
+        </p:txBody>
+      </p:sp>
+    </p:spTree>
+    <p:extLst>
+      <p:ext uri="{BB962C8B-B14F-4D97-AF65-F5344CB8AC3E}">
+        <p14:creationId xmlns:p14="http://schemas.microsoft.com/office/powerpoint/2010/main" val="1759504091"/>
+      </p:ext>
+    </p:extLst>
+  </p:cSld>
+  <p:clrMapOvr>
+    <a:masterClrMapping/>
+  </p:clrMapOvr>
+</p:sld>
+</file>
+
+<file path=ppt/slides/slide17.xml><?xml version="1.0" encoding="utf-8"?>
+<p:sld xmlns:a="http://schemas.openxmlformats.org/drawingml/2006/main" xmlns:r="http://schemas.openxmlformats.org/officeDocument/2006/relationships" xmlns:p="http://schemas.openxmlformats.org/presentationml/2006/main">
+  <p:cSld>
+    <p:spTree>
+      <p:nvGrpSpPr>
+        <p:cNvPr id="1" name=""/>
+        <p:cNvGrpSpPr/>
+        <p:nvPr/>
+      </p:nvGrpSpPr>
+      <p:grpSpPr>
+        <a:xfrm>
+          <a:off x="0" y="0"/>
+          <a:ext cx="0" cy="0"/>
+          <a:chOff x="0" y="0"/>
+          <a:chExt cx="0" cy="0"/>
+        </a:xfrm>
+      </p:grpSpPr>
+      <p:sp>
+        <p:nvSpPr>
+          <p:cNvPr id="20" name="Номер слайда 36"/>
+          <p:cNvSpPr txBox="1">
+            <a:spLocks/>
+          </p:cNvSpPr>
+          <p:nvPr/>
+        </p:nvSpPr>
+        <p:spPr>
+          <a:xfrm>
+            <a:off x="11172564" y="6164170"/>
+            <a:ext cx="648072" cy="432048"/>
+          </a:xfrm>
+          <a:prstGeom prst="roundRect">
+            <a:avLst/>
+          </a:prstGeom>
+          <a:ln w="25400" cap="flat" cmpd="sng" algn="ctr">
+            <a:solidFill>
+              <a:schemeClr val="tx2">
+                <a:lumMod val="60000"/>
+                <a:lumOff val="40000"/>
+              </a:schemeClr>
+            </a:solidFill>
+            <a:prstDash val="solid"/>
+          </a:ln>
+        </p:spPr>
+        <p:style>
+          <a:lnRef idx="2">
+            <a:schemeClr val="accent1"/>
+          </a:lnRef>
+          <a:fillRef idx="1">
+            <a:schemeClr val="lt1"/>
+          </a:fillRef>
+          <a:effectRef idx="0">
+            <a:schemeClr val="accent1"/>
+          </a:effectRef>
+          <a:fontRef idx="minor">
+            <a:schemeClr val="dk1"/>
+          </a:fontRef>
+        </p:style>
+        <p:txBody>
+          <a:bodyPr vert="horz" lIns="91440" tIns="45720" rIns="91440" bIns="45720" rtlCol="0" anchor="ctr"/>
+          <a:lstStyle/>
+          <a:p>
+            <a:pPr algn="ctr">
+              <a:defRPr/>
+            </a:pPr>
+            <a:fld id="{6389AA22-90B4-448C-8B6B-C699140D38B9}" type="slidenum">
+              <a:rPr lang="uk-UA" sz="2400" b="1">
+                <a:solidFill>
+                  <a:schemeClr val="bg1">
+                    <a:lumMod val="50000"/>
+                  </a:schemeClr>
+                </a:solidFill>
+              </a:rPr>
+              <a:pPr algn="ctr">
+                <a:defRPr/>
+              </a:pPr>
+              <a:t>17</a:t>
             </a:fld>
             <a:endParaRPr lang="uk-UA" sz="2400" b="1" dirty="0">
               <a:solidFill>
@@ -5885,7 +6177,7 @@
 </p:sld>
 </file>
 
-<file path=ppt/slides/slide16.xml><?xml version="1.0" encoding="utf-8"?>
+<file path=ppt/slides/slide18.xml><?xml version="1.0" encoding="utf-8"?>
 <p:sld xmlns:a="http://schemas.openxmlformats.org/drawingml/2006/main" xmlns:r="http://schemas.openxmlformats.org/officeDocument/2006/relationships" xmlns:p="http://schemas.openxmlformats.org/presentationml/2006/main">
   <p:cSld>
     <p:spTree>
@@ -5960,7 +6252,7 @@
               <a:pPr algn="ctr">
                 <a:defRPr/>
               </a:pPr>
-              <a:t>16</a:t>
+              <a:t>18</a:t>
             </a:fld>
             <a:endParaRPr lang="uk-UA" sz="2400" b="1" dirty="0">
               <a:solidFill>
@@ -6229,7 +6521,7 @@
 </p:sld>
 </file>
 
-<file path=ppt/slides/slide17.xml><?xml version="1.0" encoding="utf-8"?>
+<file path=ppt/slides/slide19.xml><?xml version="1.0" encoding="utf-8"?>
 <p:sld xmlns:a="http://schemas.openxmlformats.org/drawingml/2006/main" xmlns:r="http://schemas.openxmlformats.org/officeDocument/2006/relationships" xmlns:p="http://schemas.openxmlformats.org/presentationml/2006/main">
   <p:cSld>
     <p:spTree>
@@ -6304,7 +6596,7 @@
               <a:pPr algn="ctr">
                 <a:defRPr/>
               </a:pPr>
-              <a:t>17</a:t>
+              <a:t>19</a:t>
             </a:fld>
             <a:endParaRPr lang="uk-UA" sz="2400" b="1" dirty="0">
               <a:solidFill>
